--- a/HW3/figures.pptx
+++ b/HW3/figures.pptx
@@ -6,7 +6,8 @@
   </p:sldMasterIdLst>
   <p:sldIdLst>
     <p:sldId id="256" r:id="rId2"/>
-    <p:sldId id="257" r:id="rId3"/>
+    <p:sldId id="258" r:id="rId3"/>
+    <p:sldId id="257" r:id="rId4"/>
   </p:sldIdLst>
   <p:sldSz cx="12192000" cy="6858000"/>
   <p:notesSz cx="6858000" cy="9144000"/>
@@ -105,6 +106,11 @@
       </a:defRPr>
     </a:lvl9pPr>
   </p:defaultTextStyle>
+  <p:extLst>
+    <p:ext uri="{EFAFB233-063F-42B5-8137-9DF3F51BA10A}">
+      <p15:sldGuideLst xmlns:p15="http://schemas.microsoft.com/office/powerpoint/2012/main"/>
+    </p:ext>
+  </p:extLst>
 </p:presentation>
 </file>
 
@@ -255,7 +261,7 @@
           <a:p>
             <a:fld id="{87490D67-674B-4465-A446-99E9842E12F4}" type="datetimeFigureOut">
               <a:rPr lang="ko-KR" altLang="en-US" smtClean="0"/>
-              <a:t>2024-06-01</a:t>
+              <a:t>2024-06-02</a:t>
             </a:fld>
             <a:endParaRPr lang="ko-KR" altLang="en-US"/>
           </a:p>
@@ -453,7 +459,7 @@
           <a:p>
             <a:fld id="{87490D67-674B-4465-A446-99E9842E12F4}" type="datetimeFigureOut">
               <a:rPr lang="ko-KR" altLang="en-US" smtClean="0"/>
-              <a:t>2024-06-01</a:t>
+              <a:t>2024-06-02</a:t>
             </a:fld>
             <a:endParaRPr lang="ko-KR" altLang="en-US"/>
           </a:p>
@@ -661,7 +667,7 @@
           <a:p>
             <a:fld id="{87490D67-674B-4465-A446-99E9842E12F4}" type="datetimeFigureOut">
               <a:rPr lang="ko-KR" altLang="en-US" smtClean="0"/>
-              <a:t>2024-06-01</a:t>
+              <a:t>2024-06-02</a:t>
             </a:fld>
             <a:endParaRPr lang="ko-KR" altLang="en-US"/>
           </a:p>
@@ -859,7 +865,7 @@
           <a:p>
             <a:fld id="{87490D67-674B-4465-A446-99E9842E12F4}" type="datetimeFigureOut">
               <a:rPr lang="ko-KR" altLang="en-US" smtClean="0"/>
-              <a:t>2024-06-01</a:t>
+              <a:t>2024-06-02</a:t>
             </a:fld>
             <a:endParaRPr lang="ko-KR" altLang="en-US"/>
           </a:p>
@@ -1134,7 +1140,7 @@
           <a:p>
             <a:fld id="{87490D67-674B-4465-A446-99E9842E12F4}" type="datetimeFigureOut">
               <a:rPr lang="ko-KR" altLang="en-US" smtClean="0"/>
-              <a:t>2024-06-01</a:t>
+              <a:t>2024-06-02</a:t>
             </a:fld>
             <a:endParaRPr lang="ko-KR" altLang="en-US"/>
           </a:p>
@@ -1399,7 +1405,7 @@
           <a:p>
             <a:fld id="{87490D67-674B-4465-A446-99E9842E12F4}" type="datetimeFigureOut">
               <a:rPr lang="ko-KR" altLang="en-US" smtClean="0"/>
-              <a:t>2024-06-01</a:t>
+              <a:t>2024-06-02</a:t>
             </a:fld>
             <a:endParaRPr lang="ko-KR" altLang="en-US"/>
           </a:p>
@@ -1811,7 +1817,7 @@
           <a:p>
             <a:fld id="{87490D67-674B-4465-A446-99E9842E12F4}" type="datetimeFigureOut">
               <a:rPr lang="ko-KR" altLang="en-US" smtClean="0"/>
-              <a:t>2024-06-01</a:t>
+              <a:t>2024-06-02</a:t>
             </a:fld>
             <a:endParaRPr lang="ko-KR" altLang="en-US"/>
           </a:p>
@@ -1952,7 +1958,7 @@
           <a:p>
             <a:fld id="{87490D67-674B-4465-A446-99E9842E12F4}" type="datetimeFigureOut">
               <a:rPr lang="ko-KR" altLang="en-US" smtClean="0"/>
-              <a:t>2024-06-01</a:t>
+              <a:t>2024-06-02</a:t>
             </a:fld>
             <a:endParaRPr lang="ko-KR" altLang="en-US"/>
           </a:p>
@@ -2065,7 +2071,7 @@
           <a:p>
             <a:fld id="{87490D67-674B-4465-A446-99E9842E12F4}" type="datetimeFigureOut">
               <a:rPr lang="ko-KR" altLang="en-US" smtClean="0"/>
-              <a:t>2024-06-01</a:t>
+              <a:t>2024-06-02</a:t>
             </a:fld>
             <a:endParaRPr lang="ko-KR" altLang="en-US"/>
           </a:p>
@@ -2376,7 +2382,7 @@
           <a:p>
             <a:fld id="{87490D67-674B-4465-A446-99E9842E12F4}" type="datetimeFigureOut">
               <a:rPr lang="ko-KR" altLang="en-US" smtClean="0"/>
-              <a:t>2024-06-01</a:t>
+              <a:t>2024-06-02</a:t>
             </a:fld>
             <a:endParaRPr lang="ko-KR" altLang="en-US"/>
           </a:p>
@@ -2664,7 +2670,7 @@
           <a:p>
             <a:fld id="{87490D67-674B-4465-A446-99E9842E12F4}" type="datetimeFigureOut">
               <a:rPr lang="ko-KR" altLang="en-US" smtClean="0"/>
-              <a:t>2024-06-01</a:t>
+              <a:t>2024-06-02</a:t>
             </a:fld>
             <a:endParaRPr lang="ko-KR" altLang="en-US"/>
           </a:p>
@@ -2905,7 +2911,7 @@
           <a:p>
             <a:fld id="{87490D67-674B-4465-A446-99E9842E12F4}" type="datetimeFigureOut">
               <a:rPr lang="ko-KR" altLang="en-US" smtClean="0"/>
-              <a:t>2024-06-01</a:t>
+              <a:t>2024-06-02</a:t>
             </a:fld>
             <a:endParaRPr lang="ko-KR" altLang="en-US"/>
           </a:p>
@@ -3322,6 +3328,1230 @@
           <a:chExt cx="0" cy="0"/>
         </a:xfrm>
       </p:grpSpPr>
+      <p:cxnSp>
+        <p:nvCxnSpPr>
+          <p:cNvPr id="14" name="직선 화살표 연결선 13">
+            <a:extLst>
+              <a:ext uri="{FF2B5EF4-FFF2-40B4-BE49-F238E27FC236}">
+                <a16:creationId xmlns:a16="http://schemas.microsoft.com/office/drawing/2014/main" id="{10AF47CF-EFCA-421E-BF7C-1D7DEFA07D78}"/>
+              </a:ext>
+            </a:extLst>
+          </p:cNvPr>
+          <p:cNvCxnSpPr>
+            <a:cxnSpLocks/>
+          </p:cNvCxnSpPr>
+          <p:nvPr/>
+        </p:nvCxnSpPr>
+        <p:spPr>
+          <a:xfrm>
+            <a:off x="5504155" y="1846555"/>
+            <a:ext cx="515398" cy="594804"/>
+          </a:xfrm>
+          <a:prstGeom prst="straightConnector1">
+            <a:avLst/>
+          </a:prstGeom>
+          <a:ln w="38100">
+            <a:solidFill>
+              <a:srgbClr val="FF0000"/>
+            </a:solidFill>
+            <a:tailEnd type="triangle"/>
+          </a:ln>
+        </p:spPr>
+        <p:style>
+          <a:lnRef idx="1">
+            <a:schemeClr val="accent1"/>
+          </a:lnRef>
+          <a:fillRef idx="0">
+            <a:schemeClr val="accent1"/>
+          </a:fillRef>
+          <a:effectRef idx="0">
+            <a:schemeClr val="accent1"/>
+          </a:effectRef>
+          <a:fontRef idx="minor">
+            <a:schemeClr val="tx1"/>
+          </a:fontRef>
+        </p:style>
+      </p:cxnSp>
+      <p:cxnSp>
+        <p:nvCxnSpPr>
+          <p:cNvPr id="22" name="직선 화살표 연결선 21">
+            <a:extLst>
+              <a:ext uri="{FF2B5EF4-FFF2-40B4-BE49-F238E27FC236}">
+                <a16:creationId xmlns:a16="http://schemas.microsoft.com/office/drawing/2014/main" id="{378E4EE7-F714-4981-A1C8-CABAA183D26C}"/>
+              </a:ext>
+            </a:extLst>
+          </p:cNvPr>
+          <p:cNvCxnSpPr>
+            <a:cxnSpLocks/>
+          </p:cNvCxnSpPr>
+          <p:nvPr/>
+        </p:nvCxnSpPr>
+        <p:spPr>
+          <a:xfrm flipH="1">
+            <a:off x="5504155" y="3650202"/>
+            <a:ext cx="515398" cy="594804"/>
+          </a:xfrm>
+          <a:prstGeom prst="straightConnector1">
+            <a:avLst/>
+          </a:prstGeom>
+          <a:ln w="38100">
+            <a:solidFill>
+              <a:srgbClr val="FF0000"/>
+            </a:solidFill>
+            <a:tailEnd type="triangle"/>
+          </a:ln>
+        </p:spPr>
+        <p:style>
+          <a:lnRef idx="1">
+            <a:schemeClr val="accent1"/>
+          </a:lnRef>
+          <a:fillRef idx="0">
+            <a:schemeClr val="accent1"/>
+          </a:fillRef>
+          <a:effectRef idx="0">
+            <a:schemeClr val="accent1"/>
+          </a:effectRef>
+          <a:fontRef idx="minor">
+            <a:schemeClr val="tx1"/>
+          </a:fontRef>
+        </p:style>
+      </p:cxnSp>
+      <p:graphicFrame>
+        <p:nvGraphicFramePr>
+          <p:cNvPr id="2" name="표 2">
+            <a:extLst>
+              <a:ext uri="{FF2B5EF4-FFF2-40B4-BE49-F238E27FC236}">
+                <a16:creationId xmlns:a16="http://schemas.microsoft.com/office/drawing/2014/main" id="{505C3991-5F86-49BE-A9DF-FCDCFF451689}"/>
+              </a:ext>
+            </a:extLst>
+          </p:cNvPr>
+          <p:cNvGraphicFramePr>
+            <a:graphicFrameLocks noGrp="1"/>
+          </p:cNvGraphicFramePr>
+          <p:nvPr>
+            <p:extLst>
+              <p:ext uri="{D42A27DB-BD31-4B8C-83A1-F6EECF244321}">
+                <p14:modId xmlns:p14="http://schemas.microsoft.com/office/powerpoint/2010/main" val="1907859415"/>
+              </p:ext>
+            </p:extLst>
+          </p:nvPr>
+        </p:nvGraphicFramePr>
+        <p:xfrm>
+          <a:off x="2929631" y="906096"/>
+          <a:ext cx="2574524" cy="4837752"/>
+        </p:xfrm>
+        <a:graphic>
+          <a:graphicData uri="http://schemas.openxmlformats.org/drawingml/2006/table">
+            <a:tbl>
+              <a:tblPr firstRow="1" bandRow="1">
+                <a:tableStyleId>{5940675A-B579-460E-94D1-54222C63F5DA}</a:tableStyleId>
+              </a:tblPr>
+              <a:tblGrid>
+                <a:gridCol w="2574524">
+                  <a:extLst>
+                    <a:ext uri="{9D8B030D-6E8A-4147-A177-3AD203B41FA5}">
+                      <a16:colId xmlns:a16="http://schemas.microsoft.com/office/drawing/2014/main" val="918411560"/>
+                    </a:ext>
+                  </a:extLst>
+                </a:gridCol>
+              </a:tblGrid>
+              <a:tr h="604719">
+                <a:tc>
+                  <a:txBody>
+                    <a:bodyPr/>
+                    <a:lstStyle/>
+                    <a:p>
+                      <a:pPr algn="ctr" latinLnBrk="1"/>
+                      <a:r>
+                        <a:rPr lang="en-US" altLang="ko-KR">
+                          <a:solidFill>
+                            <a:schemeClr val="bg1"/>
+                          </a:solidFill>
+                        </a:rPr>
+                        <a:t>Work 1 (VOL- pressed)</a:t>
+                      </a:r>
+                      <a:endParaRPr lang="ko-KR" altLang="en-US">
+                        <a:solidFill>
+                          <a:schemeClr val="bg1"/>
+                        </a:solidFill>
+                      </a:endParaRPr>
+                    </a:p>
+                  </a:txBody>
+                  <a:tcPr anchor="ctr">
+                    <a:lnL w="28575" cap="flat" cmpd="sng" algn="ctr">
+                      <a:solidFill>
+                        <a:schemeClr val="tx1"/>
+                      </a:solidFill>
+                      <a:prstDash val="solid"/>
+                      <a:round/>
+                      <a:headEnd type="none" w="med" len="med"/>
+                      <a:tailEnd type="none" w="med" len="med"/>
+                    </a:lnL>
+                    <a:lnR w="28575" cap="flat" cmpd="sng" algn="ctr">
+                      <a:solidFill>
+                        <a:schemeClr val="tx1"/>
+                      </a:solidFill>
+                      <a:prstDash val="solid"/>
+                      <a:round/>
+                      <a:headEnd type="none" w="med" len="med"/>
+                      <a:tailEnd type="none" w="med" len="med"/>
+                    </a:lnR>
+                    <a:lnT w="28575" cap="flat" cmpd="sng" algn="ctr">
+                      <a:solidFill>
+                        <a:schemeClr val="tx1"/>
+                      </a:solidFill>
+                      <a:prstDash val="solid"/>
+                      <a:round/>
+                      <a:headEnd type="none" w="med" len="med"/>
+                      <a:tailEnd type="none" w="med" len="med"/>
+                    </a:lnT>
+                    <a:lnB w="28575" cap="flat" cmpd="sng" algn="ctr">
+                      <a:solidFill>
+                        <a:schemeClr val="tx1"/>
+                      </a:solidFill>
+                      <a:prstDash val="solid"/>
+                      <a:round/>
+                      <a:headEnd type="none" w="med" len="med"/>
+                      <a:tailEnd type="none" w="med" len="med"/>
+                    </a:lnB>
+                    <a:solidFill>
+                      <a:schemeClr val="tx1">
+                        <a:lumMod val="75000"/>
+                        <a:lumOff val="25000"/>
+                      </a:schemeClr>
+                    </a:solidFill>
+                  </a:tcPr>
+                </a:tc>
+                <a:extLst>
+                  <a:ext uri="{0D108BD9-81ED-4DB2-BD59-A6C34878D82A}">
+                    <a16:rowId xmlns:a16="http://schemas.microsoft.com/office/drawing/2014/main" val="2052504251"/>
+                  </a:ext>
+                </a:extLst>
+              </a:tr>
+              <a:tr h="604719">
+                <a:tc>
+                  <a:txBody>
+                    <a:bodyPr/>
+                    <a:lstStyle/>
+                    <a:p>
+                      <a:pPr algn="l" latinLnBrk="1"/>
+                      <a:r>
+                        <a:rPr lang="en-US" altLang="ko-KR">
+                          <a:solidFill>
+                            <a:srgbClr val="0070C0"/>
+                          </a:solidFill>
+                        </a:rPr>
+                        <a:t>mov</a:t>
+                      </a:r>
+                      <a:r>
+                        <a:rPr lang="en-US" altLang="ko-KR"/>
+                        <a:t> [v_d_p], </a:t>
+                      </a:r>
+                      <a:r>
+                        <a:rPr lang="en-US" altLang="ko-KR">
+                          <a:solidFill>
+                            <a:schemeClr val="accent6">
+                              <a:lumMod val="75000"/>
+                            </a:schemeClr>
+                          </a:solidFill>
+                        </a:rPr>
+                        <a:t>eax</a:t>
+                      </a:r>
+                      <a:endParaRPr lang="ko-KR" altLang="en-US">
+                        <a:solidFill>
+                          <a:schemeClr val="accent6">
+                            <a:lumMod val="75000"/>
+                          </a:schemeClr>
+                        </a:solidFill>
+                      </a:endParaRPr>
+                    </a:p>
+                  </a:txBody>
+                  <a:tcPr anchor="ctr">
+                    <a:lnL w="28575" cap="flat" cmpd="sng" algn="ctr">
+                      <a:solidFill>
+                        <a:schemeClr val="tx1"/>
+                      </a:solidFill>
+                      <a:prstDash val="solid"/>
+                      <a:round/>
+                      <a:headEnd type="none" w="med" len="med"/>
+                      <a:tailEnd type="none" w="med" len="med"/>
+                    </a:lnL>
+                    <a:lnR w="28575" cap="flat" cmpd="sng" algn="ctr">
+                      <a:solidFill>
+                        <a:schemeClr val="tx1"/>
+                      </a:solidFill>
+                      <a:prstDash val="solid"/>
+                      <a:round/>
+                      <a:headEnd type="none" w="med" len="med"/>
+                      <a:tailEnd type="none" w="med" len="med"/>
+                    </a:lnR>
+                    <a:lnT w="28575" cap="flat" cmpd="sng" algn="ctr">
+                      <a:solidFill>
+                        <a:schemeClr val="tx1"/>
+                      </a:solidFill>
+                      <a:prstDash val="solid"/>
+                      <a:round/>
+                      <a:headEnd type="none" w="med" len="med"/>
+                      <a:tailEnd type="none" w="med" len="med"/>
+                    </a:lnT>
+                    <a:lnB w="12700" cmpd="sng">
+                      <a:noFill/>
+                    </a:lnB>
+                  </a:tcPr>
+                </a:tc>
+                <a:extLst>
+                  <a:ext uri="{0D108BD9-81ED-4DB2-BD59-A6C34878D82A}">
+                    <a16:rowId xmlns:a16="http://schemas.microsoft.com/office/drawing/2014/main" val="3162199917"/>
+                  </a:ext>
+                </a:extLst>
+              </a:tr>
+              <a:tr h="604719">
+                <a:tc>
+                  <a:txBody>
+                    <a:bodyPr/>
+                    <a:lstStyle/>
+                    <a:p>
+                      <a:pPr algn="l" latinLnBrk="1"/>
+                      <a:endParaRPr lang="ko-KR" altLang="en-US"/>
+                    </a:p>
+                  </a:txBody>
+                  <a:tcPr anchor="ctr">
+                    <a:lnL w="28575" cap="flat" cmpd="sng" algn="ctr">
+                      <a:solidFill>
+                        <a:schemeClr val="tx1"/>
+                      </a:solidFill>
+                      <a:prstDash val="solid"/>
+                      <a:round/>
+                      <a:headEnd type="none" w="med" len="med"/>
+                      <a:tailEnd type="none" w="med" len="med"/>
+                    </a:lnL>
+                    <a:lnR w="28575" cap="flat" cmpd="sng" algn="ctr">
+                      <a:solidFill>
+                        <a:schemeClr val="tx1"/>
+                      </a:solidFill>
+                      <a:prstDash val="solid"/>
+                      <a:round/>
+                      <a:headEnd type="none" w="med" len="med"/>
+                      <a:tailEnd type="none" w="med" len="med"/>
+                    </a:lnR>
+                    <a:lnT w="12700" cmpd="sng">
+                      <a:noFill/>
+                    </a:lnT>
+                    <a:lnB w="12700" cmpd="sng">
+                      <a:noFill/>
+                    </a:lnB>
+                  </a:tcPr>
+                </a:tc>
+                <a:extLst>
+                  <a:ext uri="{0D108BD9-81ED-4DB2-BD59-A6C34878D82A}">
+                    <a16:rowId xmlns:a16="http://schemas.microsoft.com/office/drawing/2014/main" val="2383305901"/>
+                  </a:ext>
+                </a:extLst>
+              </a:tr>
+              <a:tr h="604719">
+                <a:tc>
+                  <a:txBody>
+                    <a:bodyPr/>
+                    <a:lstStyle/>
+                    <a:p>
+                      <a:pPr algn="l" latinLnBrk="1"/>
+                      <a:endParaRPr lang="ko-KR" altLang="en-US"/>
+                    </a:p>
+                  </a:txBody>
+                  <a:tcPr anchor="ctr">
+                    <a:lnL w="28575" cap="flat" cmpd="sng" algn="ctr">
+                      <a:solidFill>
+                        <a:schemeClr val="tx1"/>
+                      </a:solidFill>
+                      <a:prstDash val="solid"/>
+                      <a:round/>
+                      <a:headEnd type="none" w="med" len="med"/>
+                      <a:tailEnd type="none" w="med" len="med"/>
+                    </a:lnL>
+                    <a:lnR w="28575" cap="flat" cmpd="sng" algn="ctr">
+                      <a:solidFill>
+                        <a:schemeClr val="tx1"/>
+                      </a:solidFill>
+                      <a:prstDash val="solid"/>
+                      <a:round/>
+                      <a:headEnd type="none" w="med" len="med"/>
+                      <a:tailEnd type="none" w="med" len="med"/>
+                    </a:lnR>
+                    <a:lnT w="12700" cmpd="sng">
+                      <a:noFill/>
+                    </a:lnT>
+                    <a:lnB w="12700" cmpd="sng">
+                      <a:noFill/>
+                    </a:lnB>
+                  </a:tcPr>
+                </a:tc>
+                <a:extLst>
+                  <a:ext uri="{0D108BD9-81ED-4DB2-BD59-A6C34878D82A}">
+                    <a16:rowId xmlns:a16="http://schemas.microsoft.com/office/drawing/2014/main" val="4260026847"/>
+                  </a:ext>
+                </a:extLst>
+              </a:tr>
+              <a:tr h="604719">
+                <a:tc>
+                  <a:txBody>
+                    <a:bodyPr/>
+                    <a:lstStyle/>
+                    <a:p>
+                      <a:pPr algn="l" latinLnBrk="1"/>
+                      <a:endParaRPr lang="ko-KR" altLang="en-US"/>
+                    </a:p>
+                  </a:txBody>
+                  <a:tcPr anchor="ctr">
+                    <a:lnL w="28575" cap="flat" cmpd="sng" algn="ctr">
+                      <a:solidFill>
+                        <a:schemeClr val="tx1"/>
+                      </a:solidFill>
+                      <a:prstDash val="solid"/>
+                      <a:round/>
+                      <a:headEnd type="none" w="med" len="med"/>
+                      <a:tailEnd type="none" w="med" len="med"/>
+                    </a:lnL>
+                    <a:lnR w="28575" cap="flat" cmpd="sng" algn="ctr">
+                      <a:solidFill>
+                        <a:schemeClr val="tx1"/>
+                      </a:solidFill>
+                      <a:prstDash val="solid"/>
+                      <a:round/>
+                      <a:headEnd type="none" w="med" len="med"/>
+                      <a:tailEnd type="none" w="med" len="med"/>
+                    </a:lnR>
+                    <a:lnT w="12700" cmpd="sng">
+                      <a:noFill/>
+                    </a:lnT>
+                    <a:lnB w="12700" cmpd="sng">
+                      <a:noFill/>
+                    </a:lnB>
+                  </a:tcPr>
+                </a:tc>
+                <a:extLst>
+                  <a:ext uri="{0D108BD9-81ED-4DB2-BD59-A6C34878D82A}">
+                    <a16:rowId xmlns:a16="http://schemas.microsoft.com/office/drawing/2014/main" val="2079653402"/>
+                  </a:ext>
+                </a:extLst>
+              </a:tr>
+              <a:tr h="604719">
+                <a:tc>
+                  <a:txBody>
+                    <a:bodyPr/>
+                    <a:lstStyle/>
+                    <a:p>
+                      <a:pPr algn="l" latinLnBrk="1"/>
+                      <a:r>
+                        <a:rPr lang="en-US" altLang="ko-KR">
+                          <a:solidFill>
+                            <a:srgbClr val="0070C0"/>
+                          </a:solidFill>
+                        </a:rPr>
+                        <a:t>xor</a:t>
+                      </a:r>
+                      <a:r>
+                        <a:rPr lang="en-US" altLang="ko-KR"/>
+                        <a:t> $1, </a:t>
+                      </a:r>
+                      <a:r>
+                        <a:rPr lang="en-US" altLang="ko-KR">
+                          <a:solidFill>
+                            <a:schemeClr val="accent6">
+                              <a:lumMod val="75000"/>
+                            </a:schemeClr>
+                          </a:solidFill>
+                        </a:rPr>
+                        <a:t>eax</a:t>
+                      </a:r>
+                      <a:r>
+                        <a:rPr lang="en-US" altLang="ko-KR"/>
+                        <a:t> </a:t>
+                      </a:r>
+                      <a:endParaRPr lang="ko-KR" altLang="en-US"/>
+                    </a:p>
+                  </a:txBody>
+                  <a:tcPr anchor="ctr">
+                    <a:lnL w="28575" cap="flat" cmpd="sng" algn="ctr">
+                      <a:solidFill>
+                        <a:schemeClr val="tx1"/>
+                      </a:solidFill>
+                      <a:prstDash val="solid"/>
+                      <a:round/>
+                      <a:headEnd type="none" w="med" len="med"/>
+                      <a:tailEnd type="none" w="med" len="med"/>
+                    </a:lnL>
+                    <a:lnR w="28575" cap="flat" cmpd="sng" algn="ctr">
+                      <a:solidFill>
+                        <a:schemeClr val="tx1"/>
+                      </a:solidFill>
+                      <a:prstDash val="solid"/>
+                      <a:round/>
+                      <a:headEnd type="none" w="med" len="med"/>
+                      <a:tailEnd type="none" w="med" len="med"/>
+                    </a:lnR>
+                    <a:lnT w="12700" cmpd="sng">
+                      <a:noFill/>
+                    </a:lnT>
+                    <a:lnB w="12700" cmpd="sng">
+                      <a:noFill/>
+                    </a:lnB>
+                  </a:tcPr>
+                </a:tc>
+                <a:extLst>
+                  <a:ext uri="{0D108BD9-81ED-4DB2-BD59-A6C34878D82A}">
+                    <a16:rowId xmlns:a16="http://schemas.microsoft.com/office/drawing/2014/main" val="320170191"/>
+                  </a:ext>
+                </a:extLst>
+              </a:tr>
+              <a:tr h="604719">
+                <a:tc>
+                  <a:txBody>
+                    <a:bodyPr/>
+                    <a:lstStyle/>
+                    <a:p>
+                      <a:pPr algn="l" latinLnBrk="1"/>
+                      <a:r>
+                        <a:rPr lang="en-US" altLang="ko-KR">
+                          <a:solidFill>
+                            <a:srgbClr val="0070C0"/>
+                          </a:solidFill>
+                          <a:effectLst/>
+                        </a:rPr>
+                        <a:t>mov</a:t>
+                      </a:r>
+                      <a:r>
+                        <a:rPr lang="en-US" altLang="ko-KR">
+                          <a:effectLst/>
+                        </a:rPr>
+                        <a:t> </a:t>
+                      </a:r>
+                      <a:r>
+                        <a:rPr lang="en-US" altLang="ko-KR">
+                          <a:solidFill>
+                            <a:schemeClr val="accent6">
+                              <a:lumMod val="75000"/>
+                            </a:schemeClr>
+                          </a:solidFill>
+                          <a:effectLst/>
+                        </a:rPr>
+                        <a:t>eax</a:t>
+                      </a:r>
+                      <a:r>
+                        <a:rPr lang="en-US" altLang="ko-KR">
+                          <a:effectLst/>
+                        </a:rPr>
+                        <a:t>, [v_d_p]</a:t>
+                      </a:r>
+                      <a:endParaRPr lang="ko-KR" altLang="en-US"/>
+                    </a:p>
+                  </a:txBody>
+                  <a:tcPr anchor="ctr">
+                    <a:lnL w="28575" cap="flat" cmpd="sng" algn="ctr">
+                      <a:solidFill>
+                        <a:schemeClr val="tx1"/>
+                      </a:solidFill>
+                      <a:prstDash val="solid"/>
+                      <a:round/>
+                      <a:headEnd type="none" w="med" len="med"/>
+                      <a:tailEnd type="none" w="med" len="med"/>
+                    </a:lnL>
+                    <a:lnR w="28575" cap="flat" cmpd="sng" algn="ctr">
+                      <a:solidFill>
+                        <a:schemeClr val="tx1"/>
+                      </a:solidFill>
+                      <a:prstDash val="solid"/>
+                      <a:round/>
+                      <a:headEnd type="none" w="med" len="med"/>
+                      <a:tailEnd type="none" w="med" len="med"/>
+                    </a:lnR>
+                    <a:lnT w="12700" cmpd="sng">
+                      <a:noFill/>
+                    </a:lnT>
+                    <a:lnB w="28575" cap="flat" cmpd="sng" algn="ctr">
+                      <a:solidFill>
+                        <a:schemeClr val="tx1"/>
+                      </a:solidFill>
+                      <a:prstDash val="solid"/>
+                      <a:round/>
+                      <a:headEnd type="none" w="med" len="med"/>
+                      <a:tailEnd type="none" w="med" len="med"/>
+                    </a:lnB>
+                  </a:tcPr>
+                </a:tc>
+                <a:extLst>
+                  <a:ext uri="{0D108BD9-81ED-4DB2-BD59-A6C34878D82A}">
+                    <a16:rowId xmlns:a16="http://schemas.microsoft.com/office/drawing/2014/main" val="3875363507"/>
+                  </a:ext>
+                </a:extLst>
+              </a:tr>
+              <a:tr h="604719">
+                <a:tc>
+                  <a:txBody>
+                    <a:bodyPr/>
+                    <a:lstStyle/>
+                    <a:p>
+                      <a:pPr algn="l" latinLnBrk="1"/>
+                      <a:endParaRPr lang="ko-KR" altLang="en-US"/>
+                    </a:p>
+                  </a:txBody>
+                  <a:tcPr anchor="ctr">
+                    <a:lnL w="12700" cmpd="sng">
+                      <a:noFill/>
+                    </a:lnL>
+                    <a:lnR w="12700" cmpd="sng">
+                      <a:noFill/>
+                    </a:lnR>
+                    <a:lnT w="28575" cap="flat" cmpd="sng" algn="ctr">
+                      <a:solidFill>
+                        <a:schemeClr val="tx1"/>
+                      </a:solidFill>
+                      <a:prstDash val="solid"/>
+                      <a:round/>
+                      <a:headEnd type="none" w="med" len="med"/>
+                      <a:tailEnd type="none" w="med" len="med"/>
+                    </a:lnT>
+                    <a:lnB w="12700" cmpd="sng">
+                      <a:noFill/>
+                    </a:lnB>
+                  </a:tcPr>
+                </a:tc>
+                <a:extLst>
+                  <a:ext uri="{0D108BD9-81ED-4DB2-BD59-A6C34878D82A}">
+                    <a16:rowId xmlns:a16="http://schemas.microsoft.com/office/drawing/2014/main" val="1225357130"/>
+                  </a:ext>
+                </a:extLst>
+              </a:tr>
+            </a:tbl>
+          </a:graphicData>
+        </a:graphic>
+      </p:graphicFrame>
+      <p:graphicFrame>
+        <p:nvGraphicFramePr>
+          <p:cNvPr id="10" name="표 2">
+            <a:extLst>
+              <a:ext uri="{FF2B5EF4-FFF2-40B4-BE49-F238E27FC236}">
+                <a16:creationId xmlns:a16="http://schemas.microsoft.com/office/drawing/2014/main" id="{935621B9-3F36-429C-B958-56FEA348C196}"/>
+              </a:ext>
+            </a:extLst>
+          </p:cNvPr>
+          <p:cNvGraphicFramePr>
+            <a:graphicFrameLocks noGrp="1"/>
+          </p:cNvGraphicFramePr>
+          <p:nvPr>
+            <p:extLst>
+              <p:ext uri="{D42A27DB-BD31-4B8C-83A1-F6EECF244321}">
+                <p14:modId xmlns:p14="http://schemas.microsoft.com/office/powerpoint/2010/main" val="3223507123"/>
+              </p:ext>
+            </p:extLst>
+          </p:nvPr>
+        </p:nvGraphicFramePr>
+        <p:xfrm>
+          <a:off x="6019553" y="906096"/>
+          <a:ext cx="2574523" cy="4837752"/>
+        </p:xfrm>
+        <a:graphic>
+          <a:graphicData uri="http://schemas.openxmlformats.org/drawingml/2006/table">
+            <a:tbl>
+              <a:tblPr firstRow="1" bandRow="1">
+                <a:tableStyleId>{5940675A-B579-460E-94D1-54222C63F5DA}</a:tableStyleId>
+              </a:tblPr>
+              <a:tblGrid>
+                <a:gridCol w="2574523">
+                  <a:extLst>
+                    <a:ext uri="{9D8B030D-6E8A-4147-A177-3AD203B41FA5}">
+                      <a16:colId xmlns:a16="http://schemas.microsoft.com/office/drawing/2014/main" val="918411560"/>
+                    </a:ext>
+                  </a:extLst>
+                </a:gridCol>
+              </a:tblGrid>
+              <a:tr h="604719">
+                <a:tc>
+                  <a:txBody>
+                    <a:bodyPr/>
+                    <a:lstStyle/>
+                    <a:p>
+                      <a:pPr marL="0" marR="0" lvl="0" indent="0" algn="ctr" defTabSz="914400" rtl="0" eaLnBrk="1" fontAlgn="auto" latinLnBrk="1" hangingPunct="1">
+                        <a:lnSpc>
+                          <a:spcPct val="100000"/>
+                        </a:lnSpc>
+                        <a:spcBef>
+                          <a:spcPts val="0"/>
+                        </a:spcBef>
+                        <a:spcAft>
+                          <a:spcPts val="0"/>
+                        </a:spcAft>
+                        <a:buClrTx/>
+                        <a:buSzTx/>
+                        <a:buFontTx/>
+                        <a:buNone/>
+                        <a:tabLst/>
+                        <a:defRPr/>
+                      </a:pPr>
+                      <a:r>
+                        <a:rPr lang="en-US" altLang="ko-KR">
+                          <a:solidFill>
+                            <a:schemeClr val="bg1"/>
+                          </a:solidFill>
+                        </a:rPr>
+                        <a:t>Work 2 (VOL- released)</a:t>
+                      </a:r>
+                      <a:endParaRPr lang="ko-KR" altLang="en-US">
+                        <a:solidFill>
+                          <a:schemeClr val="bg1"/>
+                        </a:solidFill>
+                      </a:endParaRPr>
+                    </a:p>
+                  </a:txBody>
+                  <a:tcPr anchor="ctr">
+                    <a:lnL w="28575" cap="flat" cmpd="sng" algn="ctr">
+                      <a:solidFill>
+                        <a:schemeClr val="tx1"/>
+                      </a:solidFill>
+                      <a:prstDash val="solid"/>
+                      <a:round/>
+                      <a:headEnd type="none" w="med" len="med"/>
+                      <a:tailEnd type="none" w="med" len="med"/>
+                    </a:lnL>
+                    <a:lnR w="28575" cap="flat" cmpd="sng" algn="ctr">
+                      <a:solidFill>
+                        <a:schemeClr val="tx1"/>
+                      </a:solidFill>
+                      <a:prstDash val="solid"/>
+                      <a:round/>
+                      <a:headEnd type="none" w="med" len="med"/>
+                      <a:tailEnd type="none" w="med" len="med"/>
+                    </a:lnR>
+                    <a:lnT w="28575" cap="flat" cmpd="sng" algn="ctr">
+                      <a:solidFill>
+                        <a:schemeClr val="tx1"/>
+                      </a:solidFill>
+                      <a:prstDash val="solid"/>
+                      <a:round/>
+                      <a:headEnd type="none" w="med" len="med"/>
+                      <a:tailEnd type="none" w="med" len="med"/>
+                    </a:lnT>
+                    <a:lnB w="28575" cap="flat" cmpd="sng" algn="ctr">
+                      <a:solidFill>
+                        <a:schemeClr val="tx1"/>
+                      </a:solidFill>
+                      <a:prstDash val="solid"/>
+                      <a:round/>
+                      <a:headEnd type="none" w="med" len="med"/>
+                      <a:tailEnd type="none" w="med" len="med"/>
+                    </a:lnB>
+                    <a:solidFill>
+                      <a:schemeClr val="tx1">
+                        <a:lumMod val="75000"/>
+                        <a:lumOff val="25000"/>
+                      </a:schemeClr>
+                    </a:solidFill>
+                  </a:tcPr>
+                </a:tc>
+                <a:extLst>
+                  <a:ext uri="{0D108BD9-81ED-4DB2-BD59-A6C34878D82A}">
+                    <a16:rowId xmlns:a16="http://schemas.microsoft.com/office/drawing/2014/main" val="2052504251"/>
+                  </a:ext>
+                </a:extLst>
+              </a:tr>
+              <a:tr h="604719">
+                <a:tc>
+                  <a:txBody>
+                    <a:bodyPr/>
+                    <a:lstStyle/>
+                    <a:p>
+                      <a:pPr algn="l" latinLnBrk="1"/>
+                      <a:endParaRPr lang="ko-KR" altLang="en-US"/>
+                    </a:p>
+                  </a:txBody>
+                  <a:tcPr anchor="ctr">
+                    <a:lnL w="28575" cap="flat" cmpd="sng" algn="ctr">
+                      <a:solidFill>
+                        <a:schemeClr val="tx1"/>
+                      </a:solidFill>
+                      <a:prstDash val="solid"/>
+                      <a:round/>
+                      <a:headEnd type="none" w="med" len="med"/>
+                      <a:tailEnd type="none" w="med" len="med"/>
+                    </a:lnL>
+                    <a:lnR w="28575" cap="flat" cmpd="sng" algn="ctr">
+                      <a:solidFill>
+                        <a:schemeClr val="tx1"/>
+                      </a:solidFill>
+                      <a:prstDash val="solid"/>
+                      <a:round/>
+                      <a:headEnd type="none" w="med" len="med"/>
+                      <a:tailEnd type="none" w="med" len="med"/>
+                    </a:lnR>
+                    <a:lnT w="28575" cap="flat" cmpd="sng" algn="ctr">
+                      <a:solidFill>
+                        <a:schemeClr val="tx1"/>
+                      </a:solidFill>
+                      <a:prstDash val="solid"/>
+                      <a:round/>
+                      <a:headEnd type="none" w="med" len="med"/>
+                      <a:tailEnd type="none" w="med" len="med"/>
+                    </a:lnT>
+                    <a:lnB w="12700" cmpd="sng">
+                      <a:noFill/>
+                    </a:lnB>
+                  </a:tcPr>
+                </a:tc>
+                <a:extLst>
+                  <a:ext uri="{0D108BD9-81ED-4DB2-BD59-A6C34878D82A}">
+                    <a16:rowId xmlns:a16="http://schemas.microsoft.com/office/drawing/2014/main" val="3162199917"/>
+                  </a:ext>
+                </a:extLst>
+              </a:tr>
+              <a:tr h="604719">
+                <a:tc>
+                  <a:txBody>
+                    <a:bodyPr/>
+                    <a:lstStyle/>
+                    <a:p>
+                      <a:pPr algn="l" latinLnBrk="1"/>
+                      <a:r>
+                        <a:rPr lang="en-US" altLang="ko-KR">
+                          <a:solidFill>
+                            <a:srgbClr val="0070C0"/>
+                          </a:solidFill>
+                        </a:rPr>
+                        <a:t>mov</a:t>
+                      </a:r>
+                      <a:r>
+                        <a:rPr lang="en-US" altLang="ko-KR"/>
+                        <a:t> [v_d_p], </a:t>
+                      </a:r>
+                      <a:r>
+                        <a:rPr lang="en-US" altLang="ko-KR">
+                          <a:solidFill>
+                            <a:schemeClr val="accent6">
+                              <a:lumMod val="75000"/>
+                            </a:schemeClr>
+                          </a:solidFill>
+                        </a:rPr>
+                        <a:t>eax</a:t>
+                      </a:r>
+                      <a:endParaRPr lang="ko-KR" altLang="en-US">
+                        <a:solidFill>
+                          <a:schemeClr val="accent6">
+                            <a:lumMod val="75000"/>
+                          </a:schemeClr>
+                        </a:solidFill>
+                      </a:endParaRPr>
+                    </a:p>
+                  </a:txBody>
+                  <a:tcPr anchor="ctr">
+                    <a:lnL w="28575" cap="flat" cmpd="sng" algn="ctr">
+                      <a:solidFill>
+                        <a:schemeClr val="tx1"/>
+                      </a:solidFill>
+                      <a:prstDash val="solid"/>
+                      <a:round/>
+                      <a:headEnd type="none" w="med" len="med"/>
+                      <a:tailEnd type="none" w="med" len="med"/>
+                    </a:lnL>
+                    <a:lnR w="28575" cap="flat" cmpd="sng" algn="ctr">
+                      <a:solidFill>
+                        <a:schemeClr val="tx1"/>
+                      </a:solidFill>
+                      <a:prstDash val="solid"/>
+                      <a:round/>
+                      <a:headEnd type="none" w="med" len="med"/>
+                      <a:tailEnd type="none" w="med" len="med"/>
+                    </a:lnR>
+                    <a:lnT w="12700" cmpd="sng">
+                      <a:noFill/>
+                    </a:lnT>
+                    <a:lnB w="12700" cmpd="sng">
+                      <a:noFill/>
+                    </a:lnB>
+                  </a:tcPr>
+                </a:tc>
+                <a:extLst>
+                  <a:ext uri="{0D108BD9-81ED-4DB2-BD59-A6C34878D82A}">
+                    <a16:rowId xmlns:a16="http://schemas.microsoft.com/office/drawing/2014/main" val="2383305901"/>
+                  </a:ext>
+                </a:extLst>
+              </a:tr>
+              <a:tr h="604719">
+                <a:tc>
+                  <a:txBody>
+                    <a:bodyPr/>
+                    <a:lstStyle/>
+                    <a:p>
+                      <a:pPr algn="l" latinLnBrk="1"/>
+                      <a:r>
+                        <a:rPr lang="en-US" altLang="ko-KR">
+                          <a:solidFill>
+                            <a:srgbClr val="0070C0"/>
+                          </a:solidFill>
+                        </a:rPr>
+                        <a:t>xor</a:t>
+                      </a:r>
+                      <a:r>
+                        <a:rPr lang="en-US" altLang="ko-KR"/>
+                        <a:t> $1, </a:t>
+                      </a:r>
+                      <a:r>
+                        <a:rPr lang="en-US" altLang="ko-KR">
+                          <a:solidFill>
+                            <a:schemeClr val="accent6">
+                              <a:lumMod val="75000"/>
+                            </a:schemeClr>
+                          </a:solidFill>
+                        </a:rPr>
+                        <a:t>eax</a:t>
+                      </a:r>
+                      <a:r>
+                        <a:rPr lang="en-US" altLang="ko-KR"/>
+                        <a:t> </a:t>
+                      </a:r>
+                      <a:endParaRPr lang="ko-KR" altLang="en-US"/>
+                    </a:p>
+                  </a:txBody>
+                  <a:tcPr anchor="ctr">
+                    <a:lnL w="28575" cap="flat" cmpd="sng" algn="ctr">
+                      <a:solidFill>
+                        <a:schemeClr val="tx1"/>
+                      </a:solidFill>
+                      <a:prstDash val="solid"/>
+                      <a:round/>
+                      <a:headEnd type="none" w="med" len="med"/>
+                      <a:tailEnd type="none" w="med" len="med"/>
+                    </a:lnL>
+                    <a:lnR w="28575" cap="flat" cmpd="sng" algn="ctr">
+                      <a:solidFill>
+                        <a:schemeClr val="tx1"/>
+                      </a:solidFill>
+                      <a:prstDash val="solid"/>
+                      <a:round/>
+                      <a:headEnd type="none" w="med" len="med"/>
+                      <a:tailEnd type="none" w="med" len="med"/>
+                    </a:lnR>
+                    <a:lnT w="12700" cmpd="sng">
+                      <a:noFill/>
+                    </a:lnT>
+                    <a:lnB w="12700" cmpd="sng">
+                      <a:noFill/>
+                    </a:lnB>
+                  </a:tcPr>
+                </a:tc>
+                <a:extLst>
+                  <a:ext uri="{0D108BD9-81ED-4DB2-BD59-A6C34878D82A}">
+                    <a16:rowId xmlns:a16="http://schemas.microsoft.com/office/drawing/2014/main" val="4260026847"/>
+                  </a:ext>
+                </a:extLst>
+              </a:tr>
+              <a:tr h="604719">
+                <a:tc>
+                  <a:txBody>
+                    <a:bodyPr/>
+                    <a:lstStyle/>
+                    <a:p>
+                      <a:pPr algn="l" latinLnBrk="1"/>
+                      <a:r>
+                        <a:rPr lang="en-US" altLang="ko-KR">
+                          <a:solidFill>
+                            <a:srgbClr val="0070C0"/>
+                          </a:solidFill>
+                          <a:effectLst/>
+                        </a:rPr>
+                        <a:t>mov</a:t>
+                      </a:r>
+                      <a:r>
+                        <a:rPr lang="en-US" altLang="ko-KR">
+                          <a:effectLst/>
+                        </a:rPr>
+                        <a:t> </a:t>
+                      </a:r>
+                      <a:r>
+                        <a:rPr lang="en-US" altLang="ko-KR">
+                          <a:solidFill>
+                            <a:schemeClr val="accent6">
+                              <a:lumMod val="75000"/>
+                            </a:schemeClr>
+                          </a:solidFill>
+                          <a:effectLst/>
+                        </a:rPr>
+                        <a:t>eax</a:t>
+                      </a:r>
+                      <a:r>
+                        <a:rPr lang="en-US" altLang="ko-KR">
+                          <a:effectLst/>
+                        </a:rPr>
+                        <a:t>, [v_d_p]</a:t>
+                      </a:r>
+                      <a:endParaRPr lang="ko-KR" altLang="en-US"/>
+                    </a:p>
+                  </a:txBody>
+                  <a:tcPr anchor="ctr">
+                    <a:lnL w="28575" cap="flat" cmpd="sng" algn="ctr">
+                      <a:solidFill>
+                        <a:schemeClr val="tx1"/>
+                      </a:solidFill>
+                      <a:prstDash val="solid"/>
+                      <a:round/>
+                      <a:headEnd type="none" w="med" len="med"/>
+                      <a:tailEnd type="none" w="med" len="med"/>
+                    </a:lnL>
+                    <a:lnR w="28575" cap="flat" cmpd="sng" algn="ctr">
+                      <a:solidFill>
+                        <a:schemeClr val="tx1"/>
+                      </a:solidFill>
+                      <a:prstDash val="solid"/>
+                      <a:round/>
+                      <a:headEnd type="none" w="med" len="med"/>
+                      <a:tailEnd type="none" w="med" len="med"/>
+                    </a:lnR>
+                    <a:lnT w="12700" cmpd="sng">
+                      <a:noFill/>
+                    </a:lnT>
+                    <a:lnB w="12700" cmpd="sng">
+                      <a:noFill/>
+                    </a:lnB>
+                  </a:tcPr>
+                </a:tc>
+                <a:extLst>
+                  <a:ext uri="{0D108BD9-81ED-4DB2-BD59-A6C34878D82A}">
+                    <a16:rowId xmlns:a16="http://schemas.microsoft.com/office/drawing/2014/main" val="2079653402"/>
+                  </a:ext>
+                </a:extLst>
+              </a:tr>
+              <a:tr h="604719">
+                <a:tc>
+                  <a:txBody>
+                    <a:bodyPr/>
+                    <a:lstStyle/>
+                    <a:p>
+                      <a:pPr algn="l" latinLnBrk="1"/>
+                      <a:endParaRPr lang="ko-KR" altLang="en-US"/>
+                    </a:p>
+                  </a:txBody>
+                  <a:tcPr anchor="ctr">
+                    <a:lnL w="28575" cap="flat" cmpd="sng" algn="ctr">
+                      <a:solidFill>
+                        <a:schemeClr val="tx1"/>
+                      </a:solidFill>
+                      <a:prstDash val="solid"/>
+                      <a:round/>
+                      <a:headEnd type="none" w="med" len="med"/>
+                      <a:tailEnd type="none" w="med" len="med"/>
+                    </a:lnL>
+                    <a:lnR w="28575" cap="flat" cmpd="sng" algn="ctr">
+                      <a:solidFill>
+                        <a:schemeClr val="tx1"/>
+                      </a:solidFill>
+                      <a:prstDash val="solid"/>
+                      <a:round/>
+                      <a:headEnd type="none" w="med" len="med"/>
+                      <a:tailEnd type="none" w="med" len="med"/>
+                    </a:lnR>
+                    <a:lnT w="12700" cmpd="sng">
+                      <a:noFill/>
+                    </a:lnT>
+                    <a:lnB w="12700" cmpd="sng">
+                      <a:noFill/>
+                    </a:lnB>
+                  </a:tcPr>
+                </a:tc>
+                <a:extLst>
+                  <a:ext uri="{0D108BD9-81ED-4DB2-BD59-A6C34878D82A}">
+                    <a16:rowId xmlns:a16="http://schemas.microsoft.com/office/drawing/2014/main" val="320170191"/>
+                  </a:ext>
+                </a:extLst>
+              </a:tr>
+              <a:tr h="604719">
+                <a:tc>
+                  <a:txBody>
+                    <a:bodyPr/>
+                    <a:lstStyle/>
+                    <a:p>
+                      <a:pPr algn="l" latinLnBrk="1"/>
+                      <a:endParaRPr lang="ko-KR" altLang="en-US"/>
+                    </a:p>
+                  </a:txBody>
+                  <a:tcPr anchor="ctr">
+                    <a:lnL w="28575" cap="flat" cmpd="sng" algn="ctr">
+                      <a:solidFill>
+                        <a:schemeClr val="tx1"/>
+                      </a:solidFill>
+                      <a:prstDash val="solid"/>
+                      <a:round/>
+                      <a:headEnd type="none" w="med" len="med"/>
+                      <a:tailEnd type="none" w="med" len="med"/>
+                    </a:lnL>
+                    <a:lnR w="28575" cap="flat" cmpd="sng" algn="ctr">
+                      <a:solidFill>
+                        <a:schemeClr val="tx1"/>
+                      </a:solidFill>
+                      <a:prstDash val="solid"/>
+                      <a:round/>
+                      <a:headEnd type="none" w="med" len="med"/>
+                      <a:tailEnd type="none" w="med" len="med"/>
+                    </a:lnR>
+                    <a:lnT w="12700" cmpd="sng">
+                      <a:noFill/>
+                    </a:lnT>
+                    <a:lnB w="28575" cap="flat" cmpd="sng" algn="ctr">
+                      <a:solidFill>
+                        <a:schemeClr val="tx1"/>
+                      </a:solidFill>
+                      <a:prstDash val="solid"/>
+                      <a:round/>
+                      <a:headEnd type="none" w="med" len="med"/>
+                      <a:tailEnd type="none" w="med" len="med"/>
+                    </a:lnB>
+                  </a:tcPr>
+                </a:tc>
+                <a:extLst>
+                  <a:ext uri="{0D108BD9-81ED-4DB2-BD59-A6C34878D82A}">
+                    <a16:rowId xmlns:a16="http://schemas.microsoft.com/office/drawing/2014/main" val="3875363507"/>
+                  </a:ext>
+                </a:extLst>
+              </a:tr>
+              <a:tr h="604719">
+                <a:tc>
+                  <a:txBody>
+                    <a:bodyPr/>
+                    <a:lstStyle/>
+                    <a:p>
+                      <a:pPr algn="l" latinLnBrk="1"/>
+                      <a:endParaRPr lang="ko-KR" altLang="en-US"/>
+                    </a:p>
+                  </a:txBody>
+                  <a:tcPr anchor="ctr">
+                    <a:lnL w="12700" cmpd="sng">
+                      <a:noFill/>
+                    </a:lnL>
+                    <a:lnR w="12700" cmpd="sng">
+                      <a:noFill/>
+                    </a:lnR>
+                    <a:lnT w="28575" cap="flat" cmpd="sng" algn="ctr">
+                      <a:solidFill>
+                        <a:schemeClr val="tx1"/>
+                      </a:solidFill>
+                      <a:prstDash val="solid"/>
+                      <a:round/>
+                      <a:headEnd type="none" w="med" len="med"/>
+                      <a:tailEnd type="none" w="med" len="med"/>
+                    </a:lnT>
+                    <a:lnB w="12700" cmpd="sng">
+                      <a:noFill/>
+                    </a:lnB>
+                  </a:tcPr>
+                </a:tc>
+                <a:extLst>
+                  <a:ext uri="{0D108BD9-81ED-4DB2-BD59-A6C34878D82A}">
+                    <a16:rowId xmlns:a16="http://schemas.microsoft.com/office/drawing/2014/main" val="1225357130"/>
+                  </a:ext>
+                </a:extLst>
+              </a:tr>
+            </a:tbl>
+          </a:graphicData>
+        </a:graphic>
+      </p:graphicFrame>
+      <p:sp>
+        <p:nvSpPr>
+          <p:cNvPr id="6" name="TextBox 5">
+            <a:extLst>
+              <a:ext uri="{FF2B5EF4-FFF2-40B4-BE49-F238E27FC236}">
+                <a16:creationId xmlns:a16="http://schemas.microsoft.com/office/drawing/2014/main" id="{5BA646BB-43CE-45B4-A86F-F1A86F976FA8}"/>
+              </a:ext>
+            </a:extLst>
+          </p:cNvPr>
+          <p:cNvSpPr txBox="1"/>
+          <p:nvPr/>
+        </p:nvSpPr>
+        <p:spPr>
+          <a:xfrm>
+            <a:off x="4949773" y="389947"/>
+            <a:ext cx="1624163" cy="369332"/>
+          </a:xfrm>
+          <a:prstGeom prst="rect">
+            <a:avLst/>
+          </a:prstGeom>
+          <a:noFill/>
+        </p:spPr>
+        <p:txBody>
+          <a:bodyPr wrap="none" rtlCol="0">
+            <a:spAutoFit/>
+          </a:bodyPr>
+          <a:lstStyle/>
+          <a:p>
+            <a:r>
+              <a:rPr lang="en-US" altLang="ko-KR"/>
+              <a:t>int v_d_p = 0;</a:t>
+            </a:r>
+            <a:endParaRPr lang="ko-KR" altLang="en-US"/>
+          </a:p>
+        </p:txBody>
+      </p:sp>
+      <p:sp>
+        <p:nvSpPr>
+          <p:cNvPr id="24" name="TextBox 23">
+            <a:extLst>
+              <a:ext uri="{FF2B5EF4-FFF2-40B4-BE49-F238E27FC236}">
+                <a16:creationId xmlns:a16="http://schemas.microsoft.com/office/drawing/2014/main" id="{8DC9F654-04A7-40F3-A558-DBE9DFB4D5DC}"/>
+              </a:ext>
+            </a:extLst>
+          </p:cNvPr>
+          <p:cNvSpPr txBox="1"/>
+          <p:nvPr/>
+        </p:nvSpPr>
+        <p:spPr>
+          <a:xfrm>
+            <a:off x="4949772" y="5269183"/>
+            <a:ext cx="1624163" cy="369332"/>
+          </a:xfrm>
+          <a:prstGeom prst="rect">
+            <a:avLst/>
+          </a:prstGeom>
+          <a:noFill/>
+        </p:spPr>
+        <p:txBody>
+          <a:bodyPr wrap="none" rtlCol="0">
+            <a:spAutoFit/>
+          </a:bodyPr>
+          <a:lstStyle/>
+          <a:p>
+            <a:r>
+              <a:rPr lang="en-US" altLang="ko-KR"/>
+              <a:t>int v_d_p = 1;</a:t>
+            </a:r>
+            <a:endParaRPr lang="ko-KR" altLang="en-US"/>
+          </a:p>
+        </p:txBody>
+      </p:sp>
+    </p:spTree>
+    <p:extLst>
+      <p:ext uri="{BB962C8B-B14F-4D97-AF65-F5344CB8AC3E}">
+        <p14:creationId xmlns:p14="http://schemas.microsoft.com/office/powerpoint/2010/main" val="3515144744"/>
+      </p:ext>
+    </p:extLst>
+  </p:cSld>
+  <p:clrMapOvr>
+    <a:masterClrMapping/>
+  </p:clrMapOvr>
+</p:sld>
+</file>
+
+<file path=ppt/slides/slide2.xml><?xml version="1.0" encoding="utf-8"?>
+<p:sld xmlns:a="http://schemas.openxmlformats.org/drawingml/2006/main" xmlns:r="http://schemas.openxmlformats.org/officeDocument/2006/relationships" xmlns:p="http://schemas.openxmlformats.org/presentationml/2006/main">
+  <p:cSld>
+    <p:spTree>
+      <p:nvGrpSpPr>
+        <p:cNvPr id="1" name=""/>
+        <p:cNvGrpSpPr/>
+        <p:nvPr/>
+      </p:nvGrpSpPr>
+      <p:grpSpPr>
+        <a:xfrm>
+          <a:off x="0" y="0"/>
+          <a:ext cx="0" cy="0"/>
+          <a:chOff x="0" y="0"/>
+          <a:chExt cx="0" cy="0"/>
+        </a:xfrm>
+      </p:grpSpPr>
       <p:sp>
         <p:nvSpPr>
           <p:cNvPr id="23" name="직사각형 22">
@@ -3926,7 +5156,7 @@
     </p:spTree>
     <p:extLst>
       <p:ext uri="{BB962C8B-B14F-4D97-AF65-F5344CB8AC3E}">
-        <p14:creationId xmlns:p14="http://schemas.microsoft.com/office/powerpoint/2010/main" val="3515144744"/>
+        <p14:creationId xmlns:p14="http://schemas.microsoft.com/office/powerpoint/2010/main" val="736254994"/>
       </p:ext>
     </p:extLst>
   </p:cSld>
@@ -3936,7 +5166,7 @@
 </p:sld>
 </file>
 
-<file path=ppt/slides/slide2.xml><?xml version="1.0" encoding="utf-8"?>
+<file path=ppt/slides/slide3.xml><?xml version="1.0" encoding="utf-8"?>
 <p:sld xmlns:a="http://schemas.openxmlformats.org/drawingml/2006/main" xmlns:r="http://schemas.openxmlformats.org/officeDocument/2006/relationships" xmlns:p="http://schemas.openxmlformats.org/presentationml/2006/main">
   <p:cSld>
     <p:spTree>
